--- a/CalendarioAgo20L/presentaciones/4_Jerarquia.pptx
+++ b/CalendarioAgo20L/presentaciones/4_Jerarquia.pptx
@@ -225,7 +225,7 @@
           <a:p>
             <a:fld id="{2D445F07-8756-451B-A938-0248325FC7BB}" type="datetimeFigureOut">
               <a:rPr lang="es-MX" smtClean="0"/>
-              <a:t>23/07/2020</a:t>
+              <a:t>13/08/2020</a:t>
             </a:fld>
             <a:endParaRPr lang="es-MX" dirty="0"/>
           </a:p>
@@ -1430,7 +1430,7 @@
           <a:p>
             <a:fld id="{5E75A0DC-66C6-4CEC-A5EB-F8C97CEC3796}" type="datetimeFigureOut">
               <a:rPr lang="es-MX" smtClean="0"/>
-              <a:t>23/07/2020</a:t>
+              <a:t>13/08/2020</a:t>
             </a:fld>
             <a:endParaRPr lang="es-MX" dirty="0"/>
           </a:p>
@@ -1600,7 +1600,7 @@
           <a:p>
             <a:fld id="{5E75A0DC-66C6-4CEC-A5EB-F8C97CEC3796}" type="datetimeFigureOut">
               <a:rPr lang="es-MX" smtClean="0"/>
-              <a:t>23/07/2020</a:t>
+              <a:t>13/08/2020</a:t>
             </a:fld>
             <a:endParaRPr lang="es-MX" dirty="0"/>
           </a:p>
@@ -1780,7 +1780,7 @@
           <a:p>
             <a:fld id="{5E75A0DC-66C6-4CEC-A5EB-F8C97CEC3796}" type="datetimeFigureOut">
               <a:rPr lang="es-MX" smtClean="0"/>
-              <a:t>23/07/2020</a:t>
+              <a:t>13/08/2020</a:t>
             </a:fld>
             <a:endParaRPr lang="es-MX" dirty="0"/>
           </a:p>
@@ -1933,7 +1933,7 @@
           <a:p>
             <a:fld id="{1D8BD707-D9CF-40AE-B4C6-C98DA3205C09}" type="datetimeFigureOut">
               <a:rPr lang="en-US" smtClean="0"/>
-              <a:t>7/23/2020</a:t>
+              <a:t>8/13/2020</a:t>
             </a:fld>
             <a:endParaRPr lang="en-US"/>
           </a:p>
@@ -2057,7 +2057,7 @@
           <a:p>
             <a:fld id="{1D8BD707-D9CF-40AE-B4C6-C98DA3205C09}" type="datetimeFigureOut">
               <a:rPr lang="en-US" smtClean="0"/>
-              <a:t>7/23/2020</a:t>
+              <a:t>8/13/2020</a:t>
             </a:fld>
             <a:endParaRPr lang="en-US" dirty="0"/>
           </a:p>
@@ -2217,7 +2217,7 @@
           <a:p>
             <a:fld id="{5E75A0DC-66C6-4CEC-A5EB-F8C97CEC3796}" type="datetimeFigureOut">
               <a:rPr lang="es-MX" smtClean="0"/>
-              <a:t>23/07/2020</a:t>
+              <a:t>13/08/2020</a:t>
             </a:fld>
             <a:endParaRPr lang="es-MX" dirty="0"/>
           </a:p>
@@ -2463,7 +2463,7 @@
           <a:p>
             <a:fld id="{5E75A0DC-66C6-4CEC-A5EB-F8C97CEC3796}" type="datetimeFigureOut">
               <a:rPr lang="es-MX" smtClean="0"/>
-              <a:t>23/07/2020</a:t>
+              <a:t>13/08/2020</a:t>
             </a:fld>
             <a:endParaRPr lang="es-MX" dirty="0"/>
           </a:p>
@@ -2751,7 +2751,7 @@
           <a:p>
             <a:fld id="{5E75A0DC-66C6-4CEC-A5EB-F8C97CEC3796}" type="datetimeFigureOut">
               <a:rPr lang="es-MX" smtClean="0"/>
-              <a:t>23/07/2020</a:t>
+              <a:t>13/08/2020</a:t>
             </a:fld>
             <a:endParaRPr lang="es-MX" dirty="0"/>
           </a:p>
@@ -3173,7 +3173,7 @@
           <a:p>
             <a:fld id="{5E75A0DC-66C6-4CEC-A5EB-F8C97CEC3796}" type="datetimeFigureOut">
               <a:rPr lang="es-MX" smtClean="0"/>
-              <a:t>23/07/2020</a:t>
+              <a:t>13/08/2020</a:t>
             </a:fld>
             <a:endParaRPr lang="es-MX" dirty="0"/>
           </a:p>
@@ -3291,7 +3291,7 @@
           <a:p>
             <a:fld id="{5E75A0DC-66C6-4CEC-A5EB-F8C97CEC3796}" type="datetimeFigureOut">
               <a:rPr lang="es-MX" smtClean="0"/>
-              <a:t>23/07/2020</a:t>
+              <a:t>13/08/2020</a:t>
             </a:fld>
             <a:endParaRPr lang="es-MX" dirty="0"/>
           </a:p>
@@ -3386,7 +3386,7 @@
           <a:p>
             <a:fld id="{5E75A0DC-66C6-4CEC-A5EB-F8C97CEC3796}" type="datetimeFigureOut">
               <a:rPr lang="es-MX" smtClean="0"/>
-              <a:t>23/07/2020</a:t>
+              <a:t>13/08/2020</a:t>
             </a:fld>
             <a:endParaRPr lang="es-MX" dirty="0"/>
           </a:p>
@@ -3663,7 +3663,7 @@
           <a:p>
             <a:fld id="{5E75A0DC-66C6-4CEC-A5EB-F8C97CEC3796}" type="datetimeFigureOut">
               <a:rPr lang="es-MX" smtClean="0"/>
-              <a:t>23/07/2020</a:t>
+              <a:t>13/08/2020</a:t>
             </a:fld>
             <a:endParaRPr lang="es-MX" dirty="0"/>
           </a:p>
@@ -3916,7 +3916,7 @@
           <a:p>
             <a:fld id="{5E75A0DC-66C6-4CEC-A5EB-F8C97CEC3796}" type="datetimeFigureOut">
               <a:rPr lang="es-MX" smtClean="0"/>
-              <a:t>23/07/2020</a:t>
+              <a:t>13/08/2020</a:t>
             </a:fld>
             <a:endParaRPr lang="es-MX" dirty="0"/>
           </a:p>
@@ -4129,7 +4129,7 @@
           <a:p>
             <a:fld id="{5E75A0DC-66C6-4CEC-A5EB-F8C97CEC3796}" type="datetimeFigureOut">
               <a:rPr lang="es-MX" smtClean="0"/>
-              <a:t>23/07/2020</a:t>
+              <a:t>13/08/2020</a:t>
             </a:fld>
             <a:endParaRPr lang="es-MX" dirty="0"/>
           </a:p>

--- a/CalendarioAgo20L/presentaciones/4_Jerarquia.pptx
+++ b/CalendarioAgo20L/presentaciones/4_Jerarquia.pptx
@@ -225,7 +225,7 @@
           <a:p>
             <a:fld id="{2D445F07-8756-451B-A938-0248325FC7BB}" type="datetimeFigureOut">
               <a:rPr lang="es-MX" smtClean="0"/>
-              <a:t>13/08/2020</a:t>
+              <a:t>16/08/2020</a:t>
             </a:fld>
             <a:endParaRPr lang="es-MX" dirty="0"/>
           </a:p>
@@ -1430,7 +1430,7 @@
           <a:p>
             <a:fld id="{5E75A0DC-66C6-4CEC-A5EB-F8C97CEC3796}" type="datetimeFigureOut">
               <a:rPr lang="es-MX" smtClean="0"/>
-              <a:t>13/08/2020</a:t>
+              <a:t>16/08/2020</a:t>
             </a:fld>
             <a:endParaRPr lang="es-MX" dirty="0"/>
           </a:p>
@@ -1600,7 +1600,7 @@
           <a:p>
             <a:fld id="{5E75A0DC-66C6-4CEC-A5EB-F8C97CEC3796}" type="datetimeFigureOut">
               <a:rPr lang="es-MX" smtClean="0"/>
-              <a:t>13/08/2020</a:t>
+              <a:t>16/08/2020</a:t>
             </a:fld>
             <a:endParaRPr lang="es-MX" dirty="0"/>
           </a:p>
@@ -1780,7 +1780,7 @@
           <a:p>
             <a:fld id="{5E75A0DC-66C6-4CEC-A5EB-F8C97CEC3796}" type="datetimeFigureOut">
               <a:rPr lang="es-MX" smtClean="0"/>
-              <a:t>13/08/2020</a:t>
+              <a:t>16/08/2020</a:t>
             </a:fld>
             <a:endParaRPr lang="es-MX" dirty="0"/>
           </a:p>
@@ -1933,7 +1933,7 @@
           <a:p>
             <a:fld id="{1D8BD707-D9CF-40AE-B4C6-C98DA3205C09}" type="datetimeFigureOut">
               <a:rPr lang="en-US" smtClean="0"/>
-              <a:t>8/13/2020</a:t>
+              <a:t>8/16/2020</a:t>
             </a:fld>
             <a:endParaRPr lang="en-US"/>
           </a:p>
@@ -2057,7 +2057,7 @@
           <a:p>
             <a:fld id="{1D8BD707-D9CF-40AE-B4C6-C98DA3205C09}" type="datetimeFigureOut">
               <a:rPr lang="en-US" smtClean="0"/>
-              <a:t>8/13/2020</a:t>
+              <a:t>8/16/2020</a:t>
             </a:fld>
             <a:endParaRPr lang="en-US" dirty="0"/>
           </a:p>
@@ -2217,7 +2217,7 @@
           <a:p>
             <a:fld id="{5E75A0DC-66C6-4CEC-A5EB-F8C97CEC3796}" type="datetimeFigureOut">
               <a:rPr lang="es-MX" smtClean="0"/>
-              <a:t>13/08/2020</a:t>
+              <a:t>16/08/2020</a:t>
             </a:fld>
             <a:endParaRPr lang="es-MX" dirty="0"/>
           </a:p>
@@ -2463,7 +2463,7 @@
           <a:p>
             <a:fld id="{5E75A0DC-66C6-4CEC-A5EB-F8C97CEC3796}" type="datetimeFigureOut">
               <a:rPr lang="es-MX" smtClean="0"/>
-              <a:t>13/08/2020</a:t>
+              <a:t>16/08/2020</a:t>
             </a:fld>
             <a:endParaRPr lang="es-MX" dirty="0"/>
           </a:p>
@@ -2751,7 +2751,7 @@
           <a:p>
             <a:fld id="{5E75A0DC-66C6-4CEC-A5EB-F8C97CEC3796}" type="datetimeFigureOut">
               <a:rPr lang="es-MX" smtClean="0"/>
-              <a:t>13/08/2020</a:t>
+              <a:t>16/08/2020</a:t>
             </a:fld>
             <a:endParaRPr lang="es-MX" dirty="0"/>
           </a:p>
@@ -3173,7 +3173,7 @@
           <a:p>
             <a:fld id="{5E75A0DC-66C6-4CEC-A5EB-F8C97CEC3796}" type="datetimeFigureOut">
               <a:rPr lang="es-MX" smtClean="0"/>
-              <a:t>13/08/2020</a:t>
+              <a:t>16/08/2020</a:t>
             </a:fld>
             <a:endParaRPr lang="es-MX" dirty="0"/>
           </a:p>
@@ -3291,7 +3291,7 @@
           <a:p>
             <a:fld id="{5E75A0DC-66C6-4CEC-A5EB-F8C97CEC3796}" type="datetimeFigureOut">
               <a:rPr lang="es-MX" smtClean="0"/>
-              <a:t>13/08/2020</a:t>
+              <a:t>16/08/2020</a:t>
             </a:fld>
             <a:endParaRPr lang="es-MX" dirty="0"/>
           </a:p>
@@ -3386,7 +3386,7 @@
           <a:p>
             <a:fld id="{5E75A0DC-66C6-4CEC-A5EB-F8C97CEC3796}" type="datetimeFigureOut">
               <a:rPr lang="es-MX" smtClean="0"/>
-              <a:t>13/08/2020</a:t>
+              <a:t>16/08/2020</a:t>
             </a:fld>
             <a:endParaRPr lang="es-MX" dirty="0"/>
           </a:p>
@@ -3663,7 +3663,7 @@
           <a:p>
             <a:fld id="{5E75A0DC-66C6-4CEC-A5EB-F8C97CEC3796}" type="datetimeFigureOut">
               <a:rPr lang="es-MX" smtClean="0"/>
-              <a:t>13/08/2020</a:t>
+              <a:t>16/08/2020</a:t>
             </a:fld>
             <a:endParaRPr lang="es-MX" dirty="0"/>
           </a:p>
@@ -3916,7 +3916,7 @@
           <a:p>
             <a:fld id="{5E75A0DC-66C6-4CEC-A5EB-F8C97CEC3796}" type="datetimeFigureOut">
               <a:rPr lang="es-MX" smtClean="0"/>
-              <a:t>13/08/2020</a:t>
+              <a:t>16/08/2020</a:t>
             </a:fld>
             <a:endParaRPr lang="es-MX" dirty="0"/>
           </a:p>
@@ -4129,7 +4129,7 @@
           <a:p>
             <a:fld id="{5E75A0DC-66C6-4CEC-A5EB-F8C97CEC3796}" type="datetimeFigureOut">
               <a:rPr lang="es-MX" smtClean="0"/>
-              <a:t>13/08/2020</a:t>
+              <a:t>16/08/2020</a:t>
             </a:fld>
             <a:endParaRPr lang="es-MX" dirty="0"/>
           </a:p>
@@ -7157,7 +7157,7 @@
                 <a:spcPts val="600"/>
               </a:spcAft>
               <a:buFont typeface="+mj-lt"/>
-              <a:buAutoNum type="arabicPeriod"/>
+              <a:buAutoNum type="arabicPeriod" startAt="2"/>
             </a:pPr>
             <a:r>
               <a:rPr lang="es-MX" sz="2400" b="1" dirty="0">
@@ -7227,7 +7227,7 @@
                 <a:spcPts val="600"/>
               </a:spcAft>
               <a:buFont typeface="+mj-lt"/>
-              <a:buAutoNum type="arabicPeriod"/>
+              <a:buAutoNum type="arabicPeriod" startAt="2"/>
             </a:pPr>
             <a:r>
               <a:rPr lang="es-MX" sz="2400" b="1" dirty="0">

--- a/CalendarioAgo20L/presentaciones/4_Jerarquia.pptx
+++ b/CalendarioAgo20L/presentaciones/4_Jerarquia.pptx
@@ -225,7 +225,7 @@
           <a:p>
             <a:fld id="{2D445F07-8756-451B-A938-0248325FC7BB}" type="datetimeFigureOut">
               <a:rPr lang="es-MX" smtClean="0"/>
-              <a:t>16/08/2020</a:t>
+              <a:t>17/08/2020</a:t>
             </a:fld>
             <a:endParaRPr lang="es-MX" dirty="0"/>
           </a:p>
@@ -1430,7 +1430,7 @@
           <a:p>
             <a:fld id="{5E75A0DC-66C6-4CEC-A5EB-F8C97CEC3796}" type="datetimeFigureOut">
               <a:rPr lang="es-MX" smtClean="0"/>
-              <a:t>16/08/2020</a:t>
+              <a:t>17/08/2020</a:t>
             </a:fld>
             <a:endParaRPr lang="es-MX" dirty="0"/>
           </a:p>
@@ -1600,7 +1600,7 @@
           <a:p>
             <a:fld id="{5E75A0DC-66C6-4CEC-A5EB-F8C97CEC3796}" type="datetimeFigureOut">
               <a:rPr lang="es-MX" smtClean="0"/>
-              <a:t>16/08/2020</a:t>
+              <a:t>17/08/2020</a:t>
             </a:fld>
             <a:endParaRPr lang="es-MX" dirty="0"/>
           </a:p>
@@ -1780,7 +1780,7 @@
           <a:p>
             <a:fld id="{5E75A0DC-66C6-4CEC-A5EB-F8C97CEC3796}" type="datetimeFigureOut">
               <a:rPr lang="es-MX" smtClean="0"/>
-              <a:t>16/08/2020</a:t>
+              <a:t>17/08/2020</a:t>
             </a:fld>
             <a:endParaRPr lang="es-MX" dirty="0"/>
           </a:p>
@@ -1933,7 +1933,7 @@
           <a:p>
             <a:fld id="{1D8BD707-D9CF-40AE-B4C6-C98DA3205C09}" type="datetimeFigureOut">
               <a:rPr lang="en-US" smtClean="0"/>
-              <a:t>8/16/2020</a:t>
+              <a:t>8/17/2020</a:t>
             </a:fld>
             <a:endParaRPr lang="en-US"/>
           </a:p>
@@ -2057,7 +2057,7 @@
           <a:p>
             <a:fld id="{1D8BD707-D9CF-40AE-B4C6-C98DA3205C09}" type="datetimeFigureOut">
               <a:rPr lang="en-US" smtClean="0"/>
-              <a:t>8/16/2020</a:t>
+              <a:t>8/17/2020</a:t>
             </a:fld>
             <a:endParaRPr lang="en-US" dirty="0"/>
           </a:p>
@@ -2217,7 +2217,7 @@
           <a:p>
             <a:fld id="{5E75A0DC-66C6-4CEC-A5EB-F8C97CEC3796}" type="datetimeFigureOut">
               <a:rPr lang="es-MX" smtClean="0"/>
-              <a:t>16/08/2020</a:t>
+              <a:t>17/08/2020</a:t>
             </a:fld>
             <a:endParaRPr lang="es-MX" dirty="0"/>
           </a:p>
@@ -2463,7 +2463,7 @@
           <a:p>
             <a:fld id="{5E75A0DC-66C6-4CEC-A5EB-F8C97CEC3796}" type="datetimeFigureOut">
               <a:rPr lang="es-MX" smtClean="0"/>
-              <a:t>16/08/2020</a:t>
+              <a:t>17/08/2020</a:t>
             </a:fld>
             <a:endParaRPr lang="es-MX" dirty="0"/>
           </a:p>
@@ -2751,7 +2751,7 @@
           <a:p>
             <a:fld id="{5E75A0DC-66C6-4CEC-A5EB-F8C97CEC3796}" type="datetimeFigureOut">
               <a:rPr lang="es-MX" smtClean="0"/>
-              <a:t>16/08/2020</a:t>
+              <a:t>17/08/2020</a:t>
             </a:fld>
             <a:endParaRPr lang="es-MX" dirty="0"/>
           </a:p>
@@ -3173,7 +3173,7 @@
           <a:p>
             <a:fld id="{5E75A0DC-66C6-4CEC-A5EB-F8C97CEC3796}" type="datetimeFigureOut">
               <a:rPr lang="es-MX" smtClean="0"/>
-              <a:t>16/08/2020</a:t>
+              <a:t>17/08/2020</a:t>
             </a:fld>
             <a:endParaRPr lang="es-MX" dirty="0"/>
           </a:p>
@@ -3291,7 +3291,7 @@
           <a:p>
             <a:fld id="{5E75A0DC-66C6-4CEC-A5EB-F8C97CEC3796}" type="datetimeFigureOut">
               <a:rPr lang="es-MX" smtClean="0"/>
-              <a:t>16/08/2020</a:t>
+              <a:t>17/08/2020</a:t>
             </a:fld>
             <a:endParaRPr lang="es-MX" dirty="0"/>
           </a:p>
@@ -3386,7 +3386,7 @@
           <a:p>
             <a:fld id="{5E75A0DC-66C6-4CEC-A5EB-F8C97CEC3796}" type="datetimeFigureOut">
               <a:rPr lang="es-MX" smtClean="0"/>
-              <a:t>16/08/2020</a:t>
+              <a:t>17/08/2020</a:t>
             </a:fld>
             <a:endParaRPr lang="es-MX" dirty="0"/>
           </a:p>
@@ -3663,7 +3663,7 @@
           <a:p>
             <a:fld id="{5E75A0DC-66C6-4CEC-A5EB-F8C97CEC3796}" type="datetimeFigureOut">
               <a:rPr lang="es-MX" smtClean="0"/>
-              <a:t>16/08/2020</a:t>
+              <a:t>17/08/2020</a:t>
             </a:fld>
             <a:endParaRPr lang="es-MX" dirty="0"/>
           </a:p>
@@ -3916,7 +3916,7 @@
           <a:p>
             <a:fld id="{5E75A0DC-66C6-4CEC-A5EB-F8C97CEC3796}" type="datetimeFigureOut">
               <a:rPr lang="es-MX" smtClean="0"/>
-              <a:t>16/08/2020</a:t>
+              <a:t>17/08/2020</a:t>
             </a:fld>
             <a:endParaRPr lang="es-MX" dirty="0"/>
           </a:p>
@@ -4129,7 +4129,7 @@
           <a:p>
             <a:fld id="{5E75A0DC-66C6-4CEC-A5EB-F8C97CEC3796}" type="datetimeFigureOut">
               <a:rPr lang="es-MX" smtClean="0"/>
-              <a:t>16/08/2020</a:t>
+              <a:t>17/08/2020</a:t>
             </a:fld>
             <a:endParaRPr lang="es-MX" dirty="0"/>
           </a:p>
